--- a/DataFinal/GroceryStoreApp.pptx
+++ b/DataFinal/GroceryStoreApp.pptx
@@ -4468,10 +4468,8 @@
           <a:p>
             <a:r>
               <a:rPr lang="en-US"/>
-              <a:t>https://www.screencast.com/t/stp2Yaj7</a:t>
-            </a:r>
-          </a:p>
-          <a:p>
+              <a:t>https://www.screencast.com/t/HnGnWbWX9S</a:t>
+            </a:r>
             <a:endParaRPr lang="en-US" dirty="0"/>
           </a:p>
         </p:txBody>
